--- a/Data Analysis 2.pptx
+++ b/Data Analysis 2.pptx
@@ -17881,7 +17881,7 @@
             </a:r>
             <a:r>
               <a:rPr lang="en-GB"/>
-              <a:t>melt function is used to unpivot the 'Course' column while keeping 'Name' as the identifier variable</a:t>
+              <a:t>melt function is used to unpivot columns while keeping a column as the identifier variable.  It enables us to reshape and elongate the data frames in a user-defined manner. It organizes the data values in a long data frame format.</a:t>
             </a:r>
             <a:endParaRPr/>
           </a:p>
@@ -17903,87 +17903,6 @@
             <a:r>
               <a:rPr lang="en-GB"/>
               <a:t>To switch rows and columns. </a:t>
-            </a:r>
-            <a:endParaRPr/>
-          </a:p>
-          <a:p>
-            <a:pPr indent="-311150" lvl="0" marL="457200" rtl="0" algn="l">
-              <a:spcBef>
-                <a:spcPts val="0"/>
-              </a:spcBef>
-              <a:spcAft>
-                <a:spcPts val="0"/>
-              </a:spcAft>
-              <a:buSzPts val="1300"/>
-              <a:buChar char="●"/>
-            </a:pPr>
-            <a:r>
-              <a:rPr lang="en-GB"/>
-              <a:t>Using</a:t>
-            </a:r>
-            <a:r>
-              <a:rPr lang="en-GB" sz="1100">
-                <a:solidFill>
-                  <a:srgbClr val="000000"/>
-                </a:solidFill>
-                <a:latin typeface="Arial"/>
-                <a:ea typeface="Arial"/>
-                <a:cs typeface="Arial"/>
-                <a:sym typeface="Arial"/>
-              </a:rPr>
-              <a:t> </a:t>
-            </a:r>
-            <a:r>
-              <a:rPr lang="en-GB" sz="1100">
-                <a:solidFill>
-                  <a:srgbClr val="188038"/>
-                </a:solidFill>
-                <a:latin typeface="Roboto Mono"/>
-                <a:ea typeface="Roboto Mono"/>
-                <a:cs typeface="Roboto Mono"/>
-                <a:sym typeface="Roboto Mono"/>
-              </a:rPr>
-              <a:t>groupby()</a:t>
-            </a:r>
-            <a:r>
-              <a:rPr lang="en-GB" sz="1100">
-                <a:solidFill>
-                  <a:srgbClr val="000000"/>
-                </a:solidFill>
-                <a:latin typeface="Arial"/>
-                <a:ea typeface="Arial"/>
-                <a:cs typeface="Arial"/>
-                <a:sym typeface="Arial"/>
-              </a:rPr>
-              <a:t> </a:t>
-            </a:r>
-            <a:r>
-              <a:rPr lang="en-GB"/>
-              <a:t>and</a:t>
-            </a:r>
-            <a:r>
-              <a:rPr lang="en-GB" sz="1100">
-                <a:solidFill>
-                  <a:srgbClr val="000000"/>
-                </a:solidFill>
-                <a:latin typeface="Arial"/>
-                <a:ea typeface="Arial"/>
-                <a:cs typeface="Arial"/>
-                <a:sym typeface="Arial"/>
-              </a:rPr>
-              <a:t> </a:t>
-            </a:r>
-            <a:r>
-              <a:rPr lang="en-GB" sz="1100">
-                <a:solidFill>
-                  <a:srgbClr val="188038"/>
-                </a:solidFill>
-                <a:latin typeface="Roboto Mono"/>
-                <a:ea typeface="Roboto Mono"/>
-                <a:cs typeface="Roboto Mono"/>
-                <a:sym typeface="Roboto Mono"/>
-              </a:rPr>
-              <a:t>agg()</a:t>
             </a:r>
             <a:endParaRPr/>
           </a:p>
@@ -18937,6 +18856,87 @@
             <a:r>
               <a:rPr lang="en-GB"/>
               <a:t>The GROUP BY clause divides a table into sets. This clause is most often combined with aggregate functions that produce summary values for each of those sets</a:t>
+            </a:r>
+            <a:endParaRPr/>
+          </a:p>
+          <a:p>
+            <a:pPr indent="-311150" lvl="0" marL="457200" rtl="0" algn="l">
+              <a:spcBef>
+                <a:spcPts val="0"/>
+              </a:spcBef>
+              <a:spcAft>
+                <a:spcPts val="0"/>
+              </a:spcAft>
+              <a:buSzPts val="1300"/>
+              <a:buChar char="●"/>
+            </a:pPr>
+            <a:r>
+              <a:rPr lang="en-GB"/>
+              <a:t>Using</a:t>
+            </a:r>
+            <a:r>
+              <a:rPr lang="en-GB" sz="1100">
+                <a:solidFill>
+                  <a:srgbClr val="000000"/>
+                </a:solidFill>
+                <a:latin typeface="Arial"/>
+                <a:ea typeface="Arial"/>
+                <a:cs typeface="Arial"/>
+                <a:sym typeface="Arial"/>
+              </a:rPr>
+              <a:t> </a:t>
+            </a:r>
+            <a:r>
+              <a:rPr lang="en-GB" sz="1100">
+                <a:solidFill>
+                  <a:srgbClr val="188038"/>
+                </a:solidFill>
+                <a:latin typeface="Roboto Mono"/>
+                <a:ea typeface="Roboto Mono"/>
+                <a:cs typeface="Roboto Mono"/>
+                <a:sym typeface="Roboto Mono"/>
+              </a:rPr>
+              <a:t>groupby()</a:t>
+            </a:r>
+            <a:r>
+              <a:rPr lang="en-GB" sz="1100">
+                <a:solidFill>
+                  <a:srgbClr val="000000"/>
+                </a:solidFill>
+                <a:latin typeface="Arial"/>
+                <a:ea typeface="Arial"/>
+                <a:cs typeface="Arial"/>
+                <a:sym typeface="Arial"/>
+              </a:rPr>
+              <a:t> </a:t>
+            </a:r>
+            <a:r>
+              <a:rPr lang="en-GB"/>
+              <a:t>and</a:t>
+            </a:r>
+            <a:r>
+              <a:rPr lang="en-GB" sz="1100">
+                <a:solidFill>
+                  <a:srgbClr val="000000"/>
+                </a:solidFill>
+                <a:latin typeface="Arial"/>
+                <a:ea typeface="Arial"/>
+                <a:cs typeface="Arial"/>
+                <a:sym typeface="Arial"/>
+              </a:rPr>
+              <a:t> </a:t>
+            </a:r>
+            <a:r>
+              <a:rPr lang="en-GB" sz="1100">
+                <a:solidFill>
+                  <a:srgbClr val="188038"/>
+                </a:solidFill>
+                <a:latin typeface="Roboto Mono"/>
+                <a:ea typeface="Roboto Mono"/>
+                <a:cs typeface="Roboto Mono"/>
+                <a:sym typeface="Roboto Mono"/>
+              </a:rPr>
+              <a:t>agg()</a:t>
             </a:r>
             <a:endParaRPr/>
           </a:p>
@@ -20109,7 +20109,7 @@
         <p:spPr>
           <a:xfrm>
             <a:off x="1303800" y="1450575"/>
-            <a:ext cx="7030500" cy="2541600"/>
+            <a:ext cx="7030500" cy="3005700"/>
           </a:xfrm>
           <a:prstGeom prst="rect">
             <a:avLst/>
@@ -20150,29 +20150,162 @@
             </a:pPr>
             <a:r>
               <a:rPr lang="en-GB"/>
+              <a:t>Filtering data</a:t>
+            </a:r>
+            <a:endParaRPr/>
+          </a:p>
+          <a:p>
+            <a:pPr indent="-298450" lvl="1" marL="914400" rtl="0" algn="l">
+              <a:spcBef>
+                <a:spcPts val="0"/>
+              </a:spcBef>
+              <a:spcAft>
+                <a:spcPts val="0"/>
+              </a:spcAft>
+              <a:buSzPts val="1100"/>
+              <a:buChar char="○"/>
+            </a:pPr>
+            <a:r>
+              <a:rPr lang="en-GB"/>
+              <a:t>By a single condition</a:t>
+            </a:r>
+            <a:endParaRPr/>
+          </a:p>
+          <a:p>
+            <a:pPr indent="-298450" lvl="1" marL="914400" rtl="0" algn="l">
+              <a:spcBef>
+                <a:spcPts val="0"/>
+              </a:spcBef>
+              <a:spcAft>
+                <a:spcPts val="0"/>
+              </a:spcAft>
+              <a:buSzPts val="1100"/>
+              <a:buChar char="○"/>
+            </a:pPr>
+            <a:r>
+              <a:rPr lang="en-GB"/>
+              <a:t>By multiple conditions</a:t>
+            </a:r>
+            <a:endParaRPr/>
+          </a:p>
+          <a:p>
+            <a:pPr indent="-298450" lvl="1" marL="914400" rtl="0" algn="l">
+              <a:spcBef>
+                <a:spcPts val="0"/>
+              </a:spcBef>
+              <a:spcAft>
+                <a:spcPts val="0"/>
+              </a:spcAft>
+              <a:buSzPts val="1100"/>
+              <a:buChar char="○"/>
+            </a:pPr>
+            <a:r>
+              <a:rPr lang="en-GB"/>
+              <a:t>Using</a:t>
+            </a:r>
+            <a:r>
+              <a:rPr lang="en-GB" sz="1100">
+                <a:solidFill>
+                  <a:srgbClr val="000000"/>
+                </a:solidFill>
+                <a:latin typeface="Arial"/>
+                <a:ea typeface="Arial"/>
+                <a:cs typeface="Arial"/>
+                <a:sym typeface="Arial"/>
+              </a:rPr>
+              <a:t> </a:t>
+            </a:r>
+            <a:r>
+              <a:rPr lang="en-GB" sz="1100">
+                <a:solidFill>
+                  <a:srgbClr val="188038"/>
+                </a:solidFill>
+                <a:latin typeface="Roboto Mono"/>
+                <a:ea typeface="Roboto Mono"/>
+                <a:cs typeface="Roboto Mono"/>
+                <a:sym typeface="Roboto Mono"/>
+              </a:rPr>
+              <a:t>isin()</a:t>
+            </a:r>
+            <a:endParaRPr/>
+          </a:p>
+          <a:p>
+            <a:pPr indent="-298450" lvl="1" marL="914400" rtl="0" algn="l">
+              <a:spcBef>
+                <a:spcPts val="0"/>
+              </a:spcBef>
+              <a:spcAft>
+                <a:spcPts val="0"/>
+              </a:spcAft>
+              <a:buSzPts val="1100"/>
+              <a:buChar char="○"/>
+            </a:pPr>
+            <a:r>
+              <a:rPr lang="en-GB"/>
+              <a:t>Using</a:t>
+            </a:r>
+            <a:r>
+              <a:rPr lang="en-GB" sz="1100">
+                <a:solidFill>
+                  <a:srgbClr val="000000"/>
+                </a:solidFill>
+                <a:latin typeface="Arial"/>
+                <a:ea typeface="Arial"/>
+                <a:cs typeface="Arial"/>
+                <a:sym typeface="Arial"/>
+              </a:rPr>
+              <a:t> </a:t>
+            </a:r>
+            <a:r>
+              <a:rPr lang="en-GB" sz="1100">
+                <a:solidFill>
+                  <a:srgbClr val="188038"/>
+                </a:solidFill>
+                <a:latin typeface="Roboto Mono"/>
+                <a:ea typeface="Roboto Mono"/>
+                <a:cs typeface="Roboto Mono"/>
+                <a:sym typeface="Roboto Mono"/>
+              </a:rPr>
+              <a:t>between()</a:t>
+            </a:r>
+            <a:endParaRPr/>
+          </a:p>
+          <a:p>
+            <a:pPr indent="-311150" lvl="0" marL="457200" rtl="0" algn="l">
+              <a:spcBef>
+                <a:spcPts val="0"/>
+              </a:spcBef>
+              <a:spcAft>
+                <a:spcPts val="0"/>
+              </a:spcAft>
+              <a:buSzPts val="1300"/>
+              <a:buChar char="●"/>
+            </a:pPr>
+            <a:r>
+              <a:rPr lang="en-GB"/>
               <a:t>Reshaping data</a:t>
             </a:r>
             <a:endParaRPr/>
           </a:p>
           <a:p>
-            <a:pPr indent="-311150" lvl="0" marL="457200" rtl="0" algn="l">
-              <a:spcBef>
-                <a:spcPts val="0"/>
-              </a:spcBef>
-              <a:spcAft>
-                <a:spcPts val="0"/>
-              </a:spcAft>
-              <a:buSzPts val="1300"/>
-              <a:buChar char="●"/>
+            <a:pPr indent="-298450" lvl="1" marL="914400" rtl="0" algn="l">
+              <a:spcBef>
+                <a:spcPts val="0"/>
+              </a:spcBef>
+              <a:spcAft>
+                <a:spcPts val="0"/>
+              </a:spcAft>
+              <a:buSzPts val="1100"/>
+              <a:buChar char="○"/>
             </a:pPr>
             <a:r>
-              <a:rPr lang="en-GB"/>
-              <a:t>Filtering data</a:t>
+              <a:rPr lang="en-GB" sz="1300"/>
+              <a:t>Pivoting Data</a:t>
             </a:r>
-            <a:endParaRPr/>
+            <a:endParaRPr sz="1300"/>
           </a:p>
           <a:p>
-            <a:pPr indent="-311150" lvl="0" marL="457200" rtl="0" algn="l">
+            <a:pPr indent="-311150" lvl="1" marL="914400" rtl="0" algn="l">
               <a:spcBef>
                 <a:spcPts val="0"/>
               </a:spcBef>
@@ -20180,11 +20313,28 @@
                 <a:spcPts val="0"/>
               </a:spcAft>
               <a:buSzPts val="1300"/>
-              <a:buChar char="●"/>
+              <a:buChar char="○"/>
             </a:pPr>
             <a:r>
-              <a:rPr lang="en-GB"/>
-              <a:t>Group transformations</a:t>
+              <a:rPr lang="en-GB" sz="1300"/>
+              <a:t>Melting Data</a:t>
+            </a:r>
+            <a:endParaRPr sz="1300"/>
+          </a:p>
+          <a:p>
+            <a:pPr indent="-311150" lvl="1" marL="914400" rtl="0" algn="l">
+              <a:spcBef>
+                <a:spcPts val="0"/>
+              </a:spcBef>
+              <a:spcAft>
+                <a:spcPts val="0"/>
+              </a:spcAft>
+              <a:buSzPts val="1300"/>
+              <a:buChar char="○"/>
+            </a:pPr>
+            <a:r>
+              <a:rPr lang="en-GB" sz="1300"/>
+              <a:t>Transposing Data</a:t>
             </a:r>
             <a:endParaRPr/>
           </a:p>
